--- a/week4/Dissertation_4.pptx
+++ b/week4/Dissertation_4.pptx
@@ -5,20 +5,19 @@
     <p:sldMasterId id="2147483648" r:id="rId1"/>
   </p:sldMasterIdLst>
   <p:notesMasterIdLst>
-    <p:notesMasterId r:id="rId13"/>
+    <p:notesMasterId r:id="rId12"/>
   </p:notesMasterIdLst>
   <p:sldIdLst>
     <p:sldId id="260" r:id="rId2"/>
     <p:sldId id="273" r:id="rId3"/>
     <p:sldId id="285" r:id="rId4"/>
-    <p:sldId id="289" r:id="rId5"/>
-    <p:sldId id="282" r:id="rId6"/>
-    <p:sldId id="290" r:id="rId7"/>
-    <p:sldId id="292" r:id="rId8"/>
-    <p:sldId id="291" r:id="rId9"/>
-    <p:sldId id="284" r:id="rId10"/>
-    <p:sldId id="286" r:id="rId11"/>
-    <p:sldId id="288" r:id="rId12"/>
+    <p:sldId id="282" r:id="rId5"/>
+    <p:sldId id="290" r:id="rId6"/>
+    <p:sldId id="292" r:id="rId7"/>
+    <p:sldId id="291" r:id="rId8"/>
+    <p:sldId id="284" r:id="rId9"/>
+    <p:sldId id="286" r:id="rId10"/>
+    <p:sldId id="288" r:id="rId11"/>
   </p:sldIdLst>
   <p:sldSz cx="12192000" cy="6858000"/>
   <p:notesSz cx="6858000" cy="9144000"/>
@@ -207,7 +206,7 @@
           <a:p>
             <a:fld id="{5551B73A-00A5-41F0-AD1E-E8BC06CD57C4}" type="datetimeFigureOut">
               <a:rPr lang="zh-CN" altLang="en-US" smtClean="0"/>
-              <a:t>2023/6/26</a:t>
+              <a:t>2023/6/27</a:t>
             </a:fld>
             <a:endParaRPr lang="zh-CN" altLang="en-US"/>
           </a:p>
@@ -4219,7 +4218,7 @@
         </p:nvSpPr>
         <p:spPr>
           <a:xfrm>
-            <a:off x="13149" y="723900"/>
+            <a:off x="239333" y="0"/>
             <a:ext cx="10515600" cy="1325563"/>
           </a:xfrm>
         </p:spPr>
@@ -4229,7 +4228,7 @@
           <a:p>
             <a:r>
               <a:rPr lang="en-US" altLang="zh-CN" dirty="0"/>
-              <a:t>Experiments results – ML-1M</a:t>
+              <a:t>Result Explain</a:t>
             </a:r>
             <a:endParaRPr lang="zh-CN" altLang="en-US" dirty="0"/>
           </a:p>
@@ -4439,334 +4438,6 @@
           </a:p>
         </p:txBody>
       </p:sp>
-      <p:pic>
-        <p:nvPicPr>
-          <p:cNvPr id="4" name="图片 3">
-            <a:extLst>
-              <a:ext uri="{FF2B5EF4-FFF2-40B4-BE49-F238E27FC236}">
-                <a16:creationId xmlns:a16="http://schemas.microsoft.com/office/drawing/2014/main" id="{19397403-96FC-799D-8A16-710A31B94C3B}"/>
-              </a:ext>
-            </a:extLst>
-          </p:cNvPr>
-          <p:cNvPicPr>
-            <a:picLocks noChangeAspect="1"/>
-          </p:cNvPicPr>
-          <p:nvPr/>
-        </p:nvPicPr>
-        <p:blipFill>
-          <a:blip r:embed="rId2"/>
-          <a:stretch>
-            <a:fillRect/>
-          </a:stretch>
-        </p:blipFill>
-        <p:spPr>
-          <a:xfrm>
-            <a:off x="1325490" y="2235883"/>
-            <a:ext cx="9004763" cy="3695890"/>
-          </a:xfrm>
-          <a:prstGeom prst="rect">
-            <a:avLst/>
-          </a:prstGeom>
-        </p:spPr>
-      </p:pic>
-      <p:sp>
-        <p:nvSpPr>
-          <p:cNvPr id="7" name="灯片编号占位符 6">
-            <a:extLst>
-              <a:ext uri="{FF2B5EF4-FFF2-40B4-BE49-F238E27FC236}">
-                <a16:creationId xmlns:a16="http://schemas.microsoft.com/office/drawing/2014/main" id="{350CCB26-346C-0112-23D5-E83AC3F78A8B}"/>
-              </a:ext>
-            </a:extLst>
-          </p:cNvPr>
-          <p:cNvSpPr>
-            <a:spLocks noGrp="1"/>
-          </p:cNvSpPr>
-          <p:nvPr>
-            <p:ph type="sldNum" sz="quarter" idx="2"/>
-          </p:nvPr>
-        </p:nvSpPr>
-        <p:spPr/>
-        <p:txBody>
-          <a:bodyPr/>
-          <a:lstStyle/>
-          <a:p>
-            <a:fld id="{86CB4B4D-7CA3-9044-876B-883B54F8677D}" type="slidenum">
-              <a:rPr lang="en-US" altLang="zh-CN" smtClean="0"/>
-              <a:t>10</a:t>
-            </a:fld>
-            <a:endParaRPr lang="zh-CN" altLang="en-US"/>
-          </a:p>
-        </p:txBody>
-      </p:sp>
-    </p:spTree>
-    <p:extLst>
-      <p:ext uri="{BB962C8B-B14F-4D97-AF65-F5344CB8AC3E}">
-        <p14:creationId xmlns:p14="http://schemas.microsoft.com/office/powerpoint/2010/main" val="4212224579"/>
-      </p:ext>
-    </p:extLst>
-  </p:cSld>
-  <p:clrMapOvr>
-    <a:masterClrMapping/>
-  </p:clrMapOvr>
-  <p:transition spd="med"/>
-</p:sld>
-</file>
-
-<file path=ppt/slides/slide11.xml><?xml version="1.0" encoding="utf-8"?>
-<p:sld xmlns:a="http://schemas.openxmlformats.org/drawingml/2006/main" xmlns:r="http://schemas.openxmlformats.org/officeDocument/2006/relationships" xmlns:p="http://schemas.openxmlformats.org/presentationml/2006/main">
-  <p:cSld>
-    <p:spTree>
-      <p:nvGrpSpPr>
-        <p:cNvPr id="1" name=""/>
-        <p:cNvGrpSpPr/>
-        <p:nvPr/>
-      </p:nvGrpSpPr>
-      <p:grpSpPr>
-        <a:xfrm>
-          <a:off x="0" y="0"/>
-          <a:ext cx="0" cy="0"/>
-          <a:chOff x="0" y="0"/>
-          <a:chExt cx="0" cy="0"/>
-        </a:xfrm>
-      </p:grpSpPr>
-      <p:sp>
-        <p:nvSpPr>
-          <p:cNvPr id="2" name="标题 1">
-            <a:extLst>
-              <a:ext uri="{FF2B5EF4-FFF2-40B4-BE49-F238E27FC236}">
-                <a16:creationId xmlns:a16="http://schemas.microsoft.com/office/drawing/2014/main" id="{8CB0BEDD-BACE-C402-E5B3-E7DBD84C11B8}"/>
-              </a:ext>
-            </a:extLst>
-          </p:cNvPr>
-          <p:cNvSpPr>
-            <a:spLocks noGrp="1"/>
-          </p:cNvSpPr>
-          <p:nvPr>
-            <p:ph type="title"/>
-          </p:nvPr>
-        </p:nvSpPr>
-        <p:spPr>
-          <a:xfrm>
-            <a:off x="239333" y="0"/>
-            <a:ext cx="10515600" cy="1325563"/>
-          </a:xfrm>
-        </p:spPr>
-        <p:txBody>
-          <a:bodyPr/>
-          <a:lstStyle/>
-          <a:p>
-            <a:r>
-              <a:rPr lang="en-US" altLang="zh-CN" dirty="0"/>
-              <a:t>Result Explain</a:t>
-            </a:r>
-            <a:endParaRPr lang="zh-CN" altLang="en-US" dirty="0"/>
-          </a:p>
-        </p:txBody>
-      </p:sp>
-      <p:sp>
-        <p:nvSpPr>
-          <p:cNvPr id="9" name="文本占位符 3">
-            <a:extLst>
-              <a:ext uri="{FF2B5EF4-FFF2-40B4-BE49-F238E27FC236}">
-                <a16:creationId xmlns:a16="http://schemas.microsoft.com/office/drawing/2014/main" id="{77618B53-20FA-46A1-85E1-E8ABF98844D0}"/>
-              </a:ext>
-            </a:extLst>
-          </p:cNvPr>
-          <p:cNvSpPr txBox="1">
-            <a:spLocks/>
-          </p:cNvSpPr>
-          <p:nvPr/>
-        </p:nvSpPr>
-        <p:spPr>
-          <a:xfrm>
-            <a:off x="357917" y="1124692"/>
-            <a:ext cx="4913032" cy="5532437"/>
-          </a:xfrm>
-          <a:prstGeom prst="rect">
-            <a:avLst/>
-          </a:prstGeom>
-        </p:spPr>
-        <p:txBody>
-          <a:bodyPr vert="horz" lIns="91440" tIns="45720" rIns="91440" bIns="45720" rtlCol="0">
-            <a:normAutofit/>
-          </a:bodyPr>
-          <a:lstStyle>
-            <a:lvl1pPr marL="228600" indent="-228600" algn="l" defTabSz="914400" rtl="0" eaLnBrk="1" latinLnBrk="0" hangingPunct="1">
-              <a:lnSpc>
-                <a:spcPct val="90000"/>
-              </a:lnSpc>
-              <a:spcBef>
-                <a:spcPts val="1000"/>
-              </a:spcBef>
-              <a:buFont typeface="Arial" panose="020B0604020202020204" pitchFamily="34" charset="0"/>
-              <a:buChar char="•"/>
-              <a:defRPr sz="2800" kern="1200">
-                <a:solidFill>
-                  <a:schemeClr val="tx1"/>
-                </a:solidFill>
-                <a:latin typeface="+mn-lt"/>
-                <a:ea typeface="+mn-ea"/>
-                <a:cs typeface="+mn-cs"/>
-              </a:defRPr>
-            </a:lvl1pPr>
-            <a:lvl2pPr marL="685800" indent="-228600" algn="l" defTabSz="914400" rtl="0" eaLnBrk="1" latinLnBrk="0" hangingPunct="1">
-              <a:lnSpc>
-                <a:spcPct val="90000"/>
-              </a:lnSpc>
-              <a:spcBef>
-                <a:spcPts val="500"/>
-              </a:spcBef>
-              <a:buFont typeface="Arial" panose="020B0604020202020204" pitchFamily="34" charset="0"/>
-              <a:buChar char="•"/>
-              <a:defRPr sz="2400" kern="1200">
-                <a:solidFill>
-                  <a:schemeClr val="tx1"/>
-                </a:solidFill>
-                <a:latin typeface="+mn-lt"/>
-                <a:ea typeface="+mn-ea"/>
-                <a:cs typeface="+mn-cs"/>
-              </a:defRPr>
-            </a:lvl2pPr>
-            <a:lvl3pPr marL="1143000" indent="-228600" algn="l" defTabSz="914400" rtl="0" eaLnBrk="1" latinLnBrk="0" hangingPunct="1">
-              <a:lnSpc>
-                <a:spcPct val="90000"/>
-              </a:lnSpc>
-              <a:spcBef>
-                <a:spcPts val="500"/>
-              </a:spcBef>
-              <a:buFont typeface="Arial" panose="020B0604020202020204" pitchFamily="34" charset="0"/>
-              <a:buChar char="•"/>
-              <a:defRPr sz="2000" kern="1200">
-                <a:solidFill>
-                  <a:schemeClr val="tx1"/>
-                </a:solidFill>
-                <a:latin typeface="+mn-lt"/>
-                <a:ea typeface="+mn-ea"/>
-                <a:cs typeface="+mn-cs"/>
-              </a:defRPr>
-            </a:lvl3pPr>
-            <a:lvl4pPr marL="1600200" indent="-228600" algn="l" defTabSz="914400" rtl="0" eaLnBrk="1" latinLnBrk="0" hangingPunct="1">
-              <a:lnSpc>
-                <a:spcPct val="90000"/>
-              </a:lnSpc>
-              <a:spcBef>
-                <a:spcPts val="500"/>
-              </a:spcBef>
-              <a:buFont typeface="Arial" panose="020B0604020202020204" pitchFamily="34" charset="0"/>
-              <a:buChar char="•"/>
-              <a:defRPr sz="1800" kern="1200">
-                <a:solidFill>
-                  <a:schemeClr val="tx1"/>
-                </a:solidFill>
-                <a:latin typeface="+mn-lt"/>
-                <a:ea typeface="+mn-ea"/>
-                <a:cs typeface="+mn-cs"/>
-              </a:defRPr>
-            </a:lvl4pPr>
-            <a:lvl5pPr marL="2057400" indent="-228600" algn="l" defTabSz="914400" rtl="0" eaLnBrk="1" latinLnBrk="0" hangingPunct="1">
-              <a:lnSpc>
-                <a:spcPct val="90000"/>
-              </a:lnSpc>
-              <a:spcBef>
-                <a:spcPts val="500"/>
-              </a:spcBef>
-              <a:buFont typeface="Arial" panose="020B0604020202020204" pitchFamily="34" charset="0"/>
-              <a:buChar char="•"/>
-              <a:defRPr sz="1800" kern="1200">
-                <a:solidFill>
-                  <a:schemeClr val="tx1"/>
-                </a:solidFill>
-                <a:latin typeface="+mn-lt"/>
-                <a:ea typeface="+mn-ea"/>
-                <a:cs typeface="+mn-cs"/>
-              </a:defRPr>
-            </a:lvl5pPr>
-            <a:lvl6pPr marL="2514600" indent="-228600" algn="l" defTabSz="914400" rtl="0" eaLnBrk="1" latinLnBrk="0" hangingPunct="1">
-              <a:lnSpc>
-                <a:spcPct val="90000"/>
-              </a:lnSpc>
-              <a:spcBef>
-                <a:spcPts val="500"/>
-              </a:spcBef>
-              <a:buFont typeface="Arial" panose="020B0604020202020204" pitchFamily="34" charset="0"/>
-              <a:buChar char="•"/>
-              <a:defRPr sz="1800" kern="1200">
-                <a:solidFill>
-                  <a:schemeClr val="tx1"/>
-                </a:solidFill>
-                <a:latin typeface="+mn-lt"/>
-                <a:ea typeface="+mn-ea"/>
-                <a:cs typeface="+mn-cs"/>
-              </a:defRPr>
-            </a:lvl6pPr>
-            <a:lvl7pPr marL="2971800" indent="-228600" algn="l" defTabSz="914400" rtl="0" eaLnBrk="1" latinLnBrk="0" hangingPunct="1">
-              <a:lnSpc>
-                <a:spcPct val="90000"/>
-              </a:lnSpc>
-              <a:spcBef>
-                <a:spcPts val="500"/>
-              </a:spcBef>
-              <a:buFont typeface="Arial" panose="020B0604020202020204" pitchFamily="34" charset="0"/>
-              <a:buChar char="•"/>
-              <a:defRPr sz="1800" kern="1200">
-                <a:solidFill>
-                  <a:schemeClr val="tx1"/>
-                </a:solidFill>
-                <a:latin typeface="+mn-lt"/>
-                <a:ea typeface="+mn-ea"/>
-                <a:cs typeface="+mn-cs"/>
-              </a:defRPr>
-            </a:lvl7pPr>
-            <a:lvl8pPr marL="3429000" indent="-228600" algn="l" defTabSz="914400" rtl="0" eaLnBrk="1" latinLnBrk="0" hangingPunct="1">
-              <a:lnSpc>
-                <a:spcPct val="90000"/>
-              </a:lnSpc>
-              <a:spcBef>
-                <a:spcPts val="500"/>
-              </a:spcBef>
-              <a:buFont typeface="Arial" panose="020B0604020202020204" pitchFamily="34" charset="0"/>
-              <a:buChar char="•"/>
-              <a:defRPr sz="1800" kern="1200">
-                <a:solidFill>
-                  <a:schemeClr val="tx1"/>
-                </a:solidFill>
-                <a:latin typeface="+mn-lt"/>
-                <a:ea typeface="+mn-ea"/>
-                <a:cs typeface="+mn-cs"/>
-              </a:defRPr>
-            </a:lvl8pPr>
-            <a:lvl9pPr marL="3886200" indent="-228600" algn="l" defTabSz="914400" rtl="0" eaLnBrk="1" latinLnBrk="0" hangingPunct="1">
-              <a:lnSpc>
-                <a:spcPct val="90000"/>
-              </a:lnSpc>
-              <a:spcBef>
-                <a:spcPts val="500"/>
-              </a:spcBef>
-              <a:buFont typeface="Arial" panose="020B0604020202020204" pitchFamily="34" charset="0"/>
-              <a:buChar char="•"/>
-              <a:defRPr sz="1800" kern="1200">
-                <a:solidFill>
-                  <a:schemeClr val="tx1"/>
-                </a:solidFill>
-                <a:latin typeface="+mn-lt"/>
-                <a:ea typeface="+mn-ea"/>
-                <a:cs typeface="+mn-cs"/>
-              </a:defRPr>
-            </a:lvl9pPr>
-          </a:lstStyle>
-          <a:p>
-            <a:pPr marL="0" indent="0">
-              <a:buNone/>
-            </a:pPr>
-            <a:endParaRPr lang="en-US" altLang="zh-CN" dirty="0">
-              <a:solidFill>
-                <a:schemeClr val="accent1"/>
-              </a:solidFill>
-              <a:latin typeface="-apple-system"/>
-            </a:endParaRPr>
-          </a:p>
-        </p:txBody>
-      </p:sp>
       <p:sp>
         <p:nvSpPr>
           <p:cNvPr id="3" name="文本占位符 3">
@@ -5053,7 +4724,7 @@
           <a:p>
             <a:fld id="{86CB4B4D-7CA3-9044-876B-883B54F8677D}" type="slidenum">
               <a:rPr lang="en-US" altLang="zh-CN" smtClean="0"/>
-              <a:t>11</a:t>
+              <a:t>10</a:t>
             </a:fld>
             <a:endParaRPr lang="zh-CN" altLang="en-US"/>
           </a:p>
@@ -5761,7 +5432,7 @@
         </p:blipFill>
         <p:spPr>
           <a:xfrm>
-            <a:off x="128609" y="2421467"/>
+            <a:off x="0" y="2427483"/>
             <a:ext cx="11824058" cy="2197755"/>
           </a:xfrm>
           <a:prstGeom prst="rect">
@@ -5857,560 +5528,6 @@
           <a:p>
             <a:r>
               <a:rPr lang="en-US" altLang="zh-CN" dirty="0"/>
-              <a:t>Learning rate influence (All Action)</a:t>
-            </a:r>
-            <a:endParaRPr lang="zh-CN" altLang="en-US" dirty="0"/>
-          </a:p>
-        </p:txBody>
-      </p:sp>
-      <p:sp>
-        <p:nvSpPr>
-          <p:cNvPr id="4" name="文本占位符 3">
-            <a:extLst>
-              <a:ext uri="{FF2B5EF4-FFF2-40B4-BE49-F238E27FC236}">
-                <a16:creationId xmlns:a16="http://schemas.microsoft.com/office/drawing/2014/main" id="{E6059D6D-BCD7-AC7A-7937-3C64DE94BD35}"/>
-              </a:ext>
-            </a:extLst>
-          </p:cNvPr>
-          <p:cNvSpPr>
-            <a:spLocks noGrp="1"/>
-          </p:cNvSpPr>
-          <p:nvPr>
-            <p:ph type="body" idx="1"/>
-          </p:nvPr>
-        </p:nvSpPr>
-        <p:spPr>
-          <a:xfrm>
-            <a:off x="239333" y="1206376"/>
-            <a:ext cx="10515600" cy="5561472"/>
-          </a:xfrm>
-        </p:spPr>
-        <p:txBody>
-          <a:bodyPr>
-            <a:normAutofit/>
-          </a:bodyPr>
-          <a:lstStyle/>
-          <a:p>
-            <a:pPr marL="0" indent="0">
-              <a:buNone/>
-            </a:pPr>
-            <a:endParaRPr lang="en-US" altLang="zh-CN" sz="1800" b="0" i="0" u="none" strike="noStrike" baseline="0" dirty="0">
-              <a:latin typeface="LinLibertineT"/>
-            </a:endParaRPr>
-          </a:p>
-          <a:p>
-            <a:pPr marL="0" indent="0" algn="l">
-              <a:buNone/>
-            </a:pPr>
-            <a:r>
-              <a:rPr lang="en-US" altLang="zh-CN" sz="1800" b="0" i="0" u="none" strike="noStrike" baseline="0" dirty="0">
-                <a:latin typeface="LinLibertineT"/>
-              </a:rPr>
-              <a:t>	</a:t>
-            </a:r>
-            <a:r>
-              <a:rPr lang="en-GB" altLang="zh-CN" sz="1800" b="0" i="0" u="none" strike="noStrike" baseline="0" dirty="0">
-                <a:latin typeface="LinLibertineT"/>
-              </a:rPr>
-              <a:t>produce a set of negative embeddings </a:t>
-            </a:r>
-            <a:r>
-              <a:rPr lang="en-GB" altLang="zh-CN" sz="1800" b="0" i="0" u="none" strike="noStrike" baseline="0" dirty="0">
-                <a:latin typeface="txsys"/>
-              </a:rPr>
-              <a:t>{</a:t>
-            </a:r>
-            <a:r>
-              <a:rPr lang="zh-CN" altLang="en-GB" sz="1800" b="0" i="0" u="none" strike="noStrike" baseline="0" dirty="0">
-                <a:latin typeface="LibertineMathMI"/>
-              </a:rPr>
-              <a:t>𝑛</a:t>
-            </a:r>
-            <a:r>
-              <a:rPr lang="en-GB" altLang="zh-CN" sz="1800" b="0" i="0" u="none" strike="noStrike" baseline="0" dirty="0">
-                <a:latin typeface="LinLibertineT"/>
-              </a:rPr>
-              <a:t>1</a:t>
-            </a:r>
-            <a:r>
-              <a:rPr lang="en-GB" altLang="zh-CN" sz="1800" b="0" i="0" u="none" strike="noStrike" baseline="0" dirty="0">
-                <a:latin typeface="LibertineMathMI"/>
-              </a:rPr>
-              <a:t>, . . . , </a:t>
-            </a:r>
-            <a:r>
-              <a:rPr lang="zh-CN" altLang="en-GB" sz="1800" b="0" i="0" u="none" strike="noStrike" baseline="0" dirty="0">
-                <a:latin typeface="LibertineMathMI"/>
-              </a:rPr>
-              <a:t>𝑛</a:t>
-            </a:r>
-            <a:r>
-              <a:rPr lang="zh-CN" altLang="en-GB" sz="1800" b="0" i="0" u="none" strike="noStrike" baseline="0" dirty="0">
-                <a:latin typeface="LibertineMathMI7"/>
-              </a:rPr>
-              <a:t>𝑁 </a:t>
-            </a:r>
-            <a:r>
-              <a:rPr lang="en-GB" altLang="zh-CN" sz="1800" b="0" i="0" u="none" strike="noStrike" baseline="0" dirty="0">
-                <a:latin typeface="txsys"/>
-              </a:rPr>
-              <a:t>} </a:t>
-            </a:r>
-          </a:p>
-          <a:p>
-            <a:pPr marL="0" indent="0" algn="l">
-              <a:buNone/>
-            </a:pPr>
-            <a:r>
-              <a:rPr lang="en-GB" altLang="zh-CN" sz="1800" dirty="0">
-                <a:latin typeface="txsys"/>
-              </a:rPr>
-              <a:t>	</a:t>
-            </a:r>
-            <a:r>
-              <a:rPr lang="en-GB" altLang="zh-CN" sz="1800" b="0" i="0" u="none" strike="noStrike" baseline="0" dirty="0">
-                <a:latin typeface="LinLibertineT"/>
-              </a:rPr>
-              <a:t>for a given pair of user and positive embeddings </a:t>
-            </a:r>
-            <a:r>
-              <a:rPr lang="en-GB" altLang="zh-CN" sz="1800" b="0" i="0" u="none" strike="noStrike" baseline="0" dirty="0">
-                <a:latin typeface="txsys"/>
-              </a:rPr>
-              <a:t>(</a:t>
-            </a:r>
-            <a:r>
-              <a:rPr lang="zh-CN" altLang="en-GB" sz="1800" b="0" i="0" u="none" strike="noStrike" baseline="0" dirty="0">
-                <a:latin typeface="LibertineMathMI"/>
-              </a:rPr>
-              <a:t>𝑢</a:t>
-            </a:r>
-            <a:r>
-              <a:rPr lang="zh-CN" altLang="en-GB" sz="1800" b="0" i="0" u="none" strike="noStrike" baseline="0" dirty="0">
-                <a:latin typeface="LibertineMathMI7"/>
-              </a:rPr>
-              <a:t>𝑖 </a:t>
-            </a:r>
-            <a:r>
-              <a:rPr lang="en-GB" altLang="zh-CN" sz="1800" b="0" i="0" u="none" strike="noStrike" baseline="0" dirty="0">
-                <a:latin typeface="LibertineMathMI"/>
-              </a:rPr>
-              <a:t>, </a:t>
-            </a:r>
-            <a:r>
-              <a:rPr lang="zh-CN" altLang="en-GB" sz="1800" b="0" i="0" u="none" strike="noStrike" baseline="0" dirty="0">
-                <a:latin typeface="LibertineMathMI"/>
-              </a:rPr>
-              <a:t>𝑝</a:t>
-            </a:r>
-            <a:r>
-              <a:rPr lang="zh-CN" altLang="en-GB" sz="1800" b="0" i="0" u="none" strike="noStrike" baseline="0" dirty="0">
-                <a:latin typeface="LibertineMathMI7"/>
-              </a:rPr>
-              <a:t>𝑖 </a:t>
-            </a:r>
-            <a:r>
-              <a:rPr lang="en-GB" altLang="zh-CN" sz="1800" b="0" i="0" u="none" strike="noStrike" baseline="0" dirty="0">
-                <a:latin typeface="txsys"/>
-              </a:rPr>
-              <a:t>)</a:t>
-            </a:r>
-            <a:r>
-              <a:rPr lang="en-GB" altLang="zh-CN" sz="1800" b="0" i="0" u="none" strike="noStrike" baseline="0" dirty="0">
-                <a:latin typeface="LinLibertineT"/>
-              </a:rPr>
-              <a:t>.</a:t>
-            </a:r>
-            <a:r>
-              <a:rPr lang="en-US" altLang="zh-CN" sz="1800" b="0" i="0" u="none" strike="noStrike" baseline="0" dirty="0">
-                <a:latin typeface="LinLibertineT"/>
-              </a:rPr>
-              <a:t>	</a:t>
-            </a:r>
-          </a:p>
-          <a:p>
-            <a:pPr marL="0" indent="0" algn="l">
-              <a:buNone/>
-            </a:pPr>
-            <a:r>
-              <a:rPr lang="en-US" altLang="zh-CN" sz="1800" dirty="0">
-                <a:latin typeface="LinLibertineT"/>
-              </a:rPr>
-              <a:t>	</a:t>
-            </a:r>
-            <a:r>
-              <a:rPr lang="en-US" altLang="zh-CN" sz="1800" b="0" i="0" u="none" strike="noStrike" baseline="0" dirty="0">
-                <a:latin typeface="LinLibertineT"/>
-              </a:rPr>
-              <a:t>a temperature </a:t>
-            </a:r>
-            <a:r>
-              <a:rPr lang="zh-CN" altLang="en-US" sz="1800" b="0" i="0" u="none" strike="noStrike" baseline="0" dirty="0">
-                <a:latin typeface="LibertineMathMI"/>
-              </a:rPr>
-              <a:t>𝜏 </a:t>
-            </a:r>
-            <a:r>
-              <a:rPr lang="en-US" altLang="zh-CN" sz="1800" b="0" i="0" u="none" strike="noStrike" baseline="0" dirty="0">
-                <a:latin typeface="txsys"/>
-              </a:rPr>
-              <a:t>∈ [</a:t>
-            </a:r>
-            <a:r>
-              <a:rPr lang="en-US" altLang="zh-CN" sz="1800" b="0" i="0" u="none" strike="noStrike" baseline="0" dirty="0">
-                <a:latin typeface="LinLibertineT"/>
-              </a:rPr>
-              <a:t>0</a:t>
-            </a:r>
-            <a:r>
-              <a:rPr lang="en-US" altLang="zh-CN" sz="1800" b="0" i="0" u="none" strike="noStrike" baseline="0" dirty="0">
-                <a:latin typeface="LibertineMathMI"/>
-              </a:rPr>
-              <a:t>.</a:t>
-            </a:r>
-            <a:r>
-              <a:rPr lang="en-US" altLang="zh-CN" sz="1800" b="0" i="0" u="none" strike="noStrike" baseline="0" dirty="0">
-                <a:latin typeface="LinLibertineT"/>
-              </a:rPr>
-              <a:t>01</a:t>
-            </a:r>
-            <a:r>
-              <a:rPr lang="en-US" altLang="zh-CN" sz="1800" b="0" i="0" u="none" strike="noStrike" baseline="0" dirty="0">
-                <a:latin typeface="LibertineMathMI"/>
-              </a:rPr>
-              <a:t>, </a:t>
-            </a:r>
-            <a:r>
-              <a:rPr lang="en-US" altLang="zh-CN" sz="1800" b="0" i="0" u="none" strike="noStrike" baseline="0" dirty="0">
-                <a:latin typeface="txsys"/>
-              </a:rPr>
-              <a:t>∞)</a:t>
-            </a:r>
-            <a:r>
-              <a:rPr lang="en-US" altLang="zh-CN" sz="1800" b="0" i="0" u="none" strike="noStrike" baseline="0" dirty="0">
-                <a:latin typeface="LinLibertineT"/>
-              </a:rPr>
-              <a:t>,</a:t>
-            </a:r>
-          </a:p>
-          <a:p>
-            <a:pPr marL="0" indent="0">
-              <a:buNone/>
-            </a:pPr>
-            <a:r>
-              <a:rPr lang="en-US" altLang="zh-CN" sz="1800" dirty="0">
-                <a:latin typeface="LibertineMathMI"/>
-              </a:rPr>
-              <a:t>	</a:t>
-            </a:r>
-            <a:r>
-              <a:rPr lang="zh-CN" altLang="en-US" sz="1800" b="0" i="0" u="none" strike="noStrike" baseline="0" dirty="0">
-                <a:latin typeface="LibertineMathMI"/>
-              </a:rPr>
-              <a:t>𝑠 </a:t>
-            </a:r>
-            <a:r>
-              <a:rPr lang="en-US" altLang="zh-CN" sz="1800" b="0" i="0" u="none" strike="noStrike" baseline="0" dirty="0">
-                <a:latin typeface="txsys"/>
-              </a:rPr>
-              <a:t>(</a:t>
-            </a:r>
-            <a:r>
-              <a:rPr lang="zh-CN" altLang="en-US" sz="1800" b="0" i="0" u="none" strike="noStrike" baseline="0" dirty="0">
-                <a:latin typeface="LibertineMathMI"/>
-              </a:rPr>
-              <a:t>𝑢</a:t>
-            </a:r>
-            <a:r>
-              <a:rPr lang="en-US" altLang="zh-CN" sz="1800" b="0" i="0" u="none" strike="noStrike" baseline="0" dirty="0">
-                <a:latin typeface="LibertineMathMI"/>
-              </a:rPr>
-              <a:t>, </a:t>
-            </a:r>
-            <a:r>
-              <a:rPr lang="zh-CN" altLang="en-US" sz="1800" b="0" i="0" u="none" strike="noStrike" baseline="0" dirty="0">
-                <a:latin typeface="LibertineMathMI"/>
-              </a:rPr>
-              <a:t>𝑝</a:t>
-            </a:r>
-            <a:r>
-              <a:rPr lang="en-US" altLang="zh-CN" sz="1800" b="0" i="0" u="none" strike="noStrike" baseline="0" dirty="0">
-                <a:latin typeface="txsys"/>
-              </a:rPr>
-              <a:t>) </a:t>
-            </a:r>
-            <a:r>
-              <a:rPr lang="en-US" altLang="zh-CN" sz="1800" b="0" i="0" u="none" strike="noStrike" baseline="0" dirty="0">
-                <a:latin typeface="txmiaX"/>
-              </a:rPr>
-              <a:t>= </a:t>
-            </a:r>
-            <a:r>
-              <a:rPr lang="en-US" altLang="zh-CN" sz="1800" b="0" i="0" u="none" strike="noStrike" baseline="0" dirty="0">
-                <a:latin typeface="txsys"/>
-              </a:rPr>
-              <a:t>⟨</a:t>
-            </a:r>
-            <a:r>
-              <a:rPr lang="zh-CN" altLang="en-US" sz="1800" b="0" i="0" u="none" strike="noStrike" baseline="0" dirty="0">
-                <a:latin typeface="LibertineMathMI"/>
-              </a:rPr>
-              <a:t>𝑢</a:t>
-            </a:r>
-            <a:r>
-              <a:rPr lang="en-US" altLang="zh-CN" sz="1800" b="0" i="0" u="none" strike="noStrike" baseline="0" dirty="0">
-                <a:latin typeface="LibertineMathMI"/>
-              </a:rPr>
-              <a:t>, </a:t>
-            </a:r>
-            <a:r>
-              <a:rPr lang="zh-CN" altLang="en-US" sz="1800" b="0" i="0" u="none" strike="noStrike" baseline="0" dirty="0">
-                <a:latin typeface="LibertineMathMI"/>
-              </a:rPr>
-              <a:t>𝑝</a:t>
-            </a:r>
-            <a:r>
-              <a:rPr lang="en-US" altLang="zh-CN" sz="1800" b="0" i="0" u="none" strike="noStrike" baseline="0" dirty="0">
-                <a:latin typeface="txsys"/>
-              </a:rPr>
-              <a:t>⟩/</a:t>
-            </a:r>
-            <a:r>
-              <a:rPr lang="zh-CN" altLang="en-US" sz="1800" b="0" i="0" u="none" strike="noStrike" baseline="0" dirty="0">
-                <a:latin typeface="LibertineMathMI"/>
-              </a:rPr>
-              <a:t>𝜏</a:t>
-            </a:r>
-            <a:r>
-              <a:rPr lang="en-US" altLang="zh-CN" sz="1800" b="0" i="0" u="none" strike="noStrike" baseline="0" dirty="0">
-                <a:latin typeface="LibertineMathMI"/>
-              </a:rPr>
-              <a:t>.</a:t>
-            </a:r>
-          </a:p>
-          <a:p>
-            <a:pPr marL="0" indent="0">
-              <a:buNone/>
-            </a:pPr>
-            <a:r>
-              <a:rPr lang="en-US" altLang="zh-CN" sz="1800" b="0" i="0" dirty="0">
-                <a:solidFill>
-                  <a:srgbClr val="1F2328"/>
-                </a:solidFill>
-                <a:latin typeface="LibertineMathMI"/>
-              </a:rPr>
-              <a:t>	Negatives are randoml</a:t>
-            </a:r>
-            <a:r>
-              <a:rPr lang="en-US" altLang="zh-CN" sz="1800" dirty="0">
-                <a:solidFill>
-                  <a:srgbClr val="1F2328"/>
-                </a:solidFill>
-                <a:latin typeface="LibertineMathMI"/>
-              </a:rPr>
-              <a:t>y selected currently</a:t>
-            </a:r>
-          </a:p>
-          <a:p>
-            <a:pPr marL="0" indent="0">
-              <a:buNone/>
-            </a:pPr>
-            <a:r>
-              <a:rPr lang="en-US" altLang="zh-CN" sz="1800" b="0" i="0" dirty="0">
-                <a:solidFill>
-                  <a:srgbClr val="1F2328"/>
-                </a:solidFill>
-                <a:effectLst/>
-                <a:latin typeface="LibertineMathMI"/>
-              </a:rPr>
-              <a:t>							</a:t>
-            </a:r>
-            <a:r>
-              <a:rPr lang="en-US" altLang="zh-CN" sz="1800" b="0" i="0" dirty="0" err="1">
-                <a:solidFill>
-                  <a:srgbClr val="1F2328"/>
-                </a:solidFill>
-                <a:effectLst/>
-                <a:latin typeface="LibertineMathMI"/>
-              </a:rPr>
-              <a:t>Pinner</a:t>
-            </a:r>
-            <a:r>
-              <a:rPr lang="en-US" altLang="zh-CN" sz="1800" dirty="0" err="1">
-                <a:solidFill>
-                  <a:srgbClr val="1F2328"/>
-                </a:solidFill>
-                <a:latin typeface="LibertineMathMI"/>
-              </a:rPr>
-              <a:t>Former</a:t>
-            </a:r>
-            <a:r>
-              <a:rPr lang="en-US" altLang="zh-CN" sz="1800" dirty="0">
-                <a:solidFill>
-                  <a:srgbClr val="1F2328"/>
-                </a:solidFill>
-                <a:latin typeface="LibertineMathMI"/>
-              </a:rPr>
-              <a:t> Result:</a:t>
-            </a:r>
-            <a:endParaRPr lang="en-GB" altLang="zh-CN" b="0" i="0" dirty="0">
-              <a:solidFill>
-                <a:srgbClr val="1F2328"/>
-              </a:solidFill>
-              <a:effectLst/>
-              <a:latin typeface="-apple-system"/>
-            </a:endParaRPr>
-          </a:p>
-        </p:txBody>
-      </p:sp>
-      <p:pic>
-        <p:nvPicPr>
-          <p:cNvPr id="5" name="图片 4">
-            <a:extLst>
-              <a:ext uri="{FF2B5EF4-FFF2-40B4-BE49-F238E27FC236}">
-                <a16:creationId xmlns:a16="http://schemas.microsoft.com/office/drawing/2014/main" id="{8C00D3E5-E29C-A504-0828-3F071F665411}"/>
-              </a:ext>
-            </a:extLst>
-          </p:cNvPr>
-          <p:cNvPicPr>
-            <a:picLocks noChangeAspect="1"/>
-          </p:cNvPicPr>
-          <p:nvPr/>
-        </p:nvPicPr>
-        <p:blipFill>
-          <a:blip r:embed="rId2"/>
-          <a:stretch>
-            <a:fillRect/>
-          </a:stretch>
-        </p:blipFill>
-        <p:spPr>
-          <a:xfrm>
-            <a:off x="697369" y="3584257"/>
-            <a:ext cx="5807298" cy="1259747"/>
-          </a:xfrm>
-          <a:prstGeom prst="rect">
-            <a:avLst/>
-          </a:prstGeom>
-        </p:spPr>
-      </p:pic>
-      <p:pic>
-        <p:nvPicPr>
-          <p:cNvPr id="11" name="图片 10">
-            <a:extLst>
-              <a:ext uri="{FF2B5EF4-FFF2-40B4-BE49-F238E27FC236}">
-                <a16:creationId xmlns:a16="http://schemas.microsoft.com/office/drawing/2014/main" id="{4351EB8B-D1B7-6C10-D452-8FB58E6A3805}"/>
-              </a:ext>
-            </a:extLst>
-          </p:cNvPr>
-          <p:cNvPicPr>
-            <a:picLocks noChangeAspect="1"/>
-          </p:cNvPicPr>
-          <p:nvPr/>
-        </p:nvPicPr>
-        <p:blipFill>
-          <a:blip r:embed="rId3"/>
-          <a:stretch>
-            <a:fillRect/>
-          </a:stretch>
-        </p:blipFill>
-        <p:spPr>
-          <a:xfrm>
-            <a:off x="6504667" y="4007831"/>
-            <a:ext cx="5343740" cy="1815834"/>
-          </a:xfrm>
-          <a:prstGeom prst="rect">
-            <a:avLst/>
-          </a:prstGeom>
-        </p:spPr>
-      </p:pic>
-      <p:sp>
-        <p:nvSpPr>
-          <p:cNvPr id="7" name="灯片编号占位符 6">
-            <a:extLst>
-              <a:ext uri="{FF2B5EF4-FFF2-40B4-BE49-F238E27FC236}">
-                <a16:creationId xmlns:a16="http://schemas.microsoft.com/office/drawing/2014/main" id="{DFD5EB25-60C8-A8E2-BCA9-C2B97CD90CBF}"/>
-              </a:ext>
-            </a:extLst>
-          </p:cNvPr>
-          <p:cNvSpPr>
-            <a:spLocks noGrp="1"/>
-          </p:cNvSpPr>
-          <p:nvPr>
-            <p:ph type="sldNum" sz="quarter" idx="2"/>
-          </p:nvPr>
-        </p:nvSpPr>
-        <p:spPr/>
-        <p:txBody>
-          <a:bodyPr/>
-          <a:lstStyle/>
-          <a:p>
-            <a:fld id="{86CB4B4D-7CA3-9044-876B-883B54F8677D}" type="slidenum">
-              <a:rPr lang="en-US" altLang="zh-CN" smtClean="0"/>
-              <a:t>4</a:t>
-            </a:fld>
-            <a:endParaRPr lang="zh-CN" altLang="en-US"/>
-          </a:p>
-        </p:txBody>
-      </p:sp>
-    </p:spTree>
-    <p:extLst>
-      <p:ext uri="{BB962C8B-B14F-4D97-AF65-F5344CB8AC3E}">
-        <p14:creationId xmlns:p14="http://schemas.microsoft.com/office/powerpoint/2010/main" val="1115106717"/>
-      </p:ext>
-    </p:extLst>
-  </p:cSld>
-  <p:clrMapOvr>
-    <a:masterClrMapping/>
-  </p:clrMapOvr>
-  <p:transition spd="med"/>
-</p:sld>
-</file>
-
-<file path=ppt/slides/slide5.xml><?xml version="1.0" encoding="utf-8"?>
-<p:sld xmlns:a="http://schemas.openxmlformats.org/drawingml/2006/main" xmlns:r="http://schemas.openxmlformats.org/officeDocument/2006/relationships" xmlns:p="http://schemas.openxmlformats.org/presentationml/2006/main">
-  <p:cSld>
-    <p:spTree>
-      <p:nvGrpSpPr>
-        <p:cNvPr id="1" name=""/>
-        <p:cNvGrpSpPr/>
-        <p:nvPr/>
-      </p:nvGrpSpPr>
-      <p:grpSpPr>
-        <a:xfrm>
-          <a:off x="0" y="0"/>
-          <a:ext cx="0" cy="0"/>
-          <a:chOff x="0" y="0"/>
-          <a:chExt cx="0" cy="0"/>
-        </a:xfrm>
-      </p:grpSpPr>
-      <p:sp>
-        <p:nvSpPr>
-          <p:cNvPr id="2" name="标题 1">
-            <a:extLst>
-              <a:ext uri="{FF2B5EF4-FFF2-40B4-BE49-F238E27FC236}">
-                <a16:creationId xmlns:a16="http://schemas.microsoft.com/office/drawing/2014/main" id="{8CB0BEDD-BACE-C402-E5B3-E7DBD84C11B8}"/>
-              </a:ext>
-            </a:extLst>
-          </p:cNvPr>
-          <p:cNvSpPr>
-            <a:spLocks noGrp="1"/>
-          </p:cNvSpPr>
-          <p:nvPr>
-            <p:ph type="title"/>
-          </p:nvPr>
-        </p:nvSpPr>
-        <p:spPr>
-          <a:xfrm>
-            <a:off x="239333" y="0"/>
-            <a:ext cx="10515600" cy="1325563"/>
-          </a:xfrm>
-        </p:spPr>
-        <p:txBody>
-          <a:bodyPr/>
-          <a:lstStyle/>
-          <a:p>
-            <a:r>
-              <a:rPr lang="en-US" altLang="zh-CN" dirty="0"/>
               <a:t>Learning Rate (All action prediction)</a:t>
             </a:r>
             <a:endParaRPr lang="zh-CN" altLang="en-US" dirty="0"/>
@@ -7151,7 +6268,7 @@
           <a:p>
             <a:fld id="{86CB4B4D-7CA3-9044-876B-883B54F8677D}" type="slidenum">
               <a:rPr lang="en-US" altLang="zh-CN" smtClean="0"/>
-              <a:t>5</a:t>
+              <a:t>4</a:t>
             </a:fld>
             <a:endParaRPr lang="zh-CN" altLang="en-US"/>
           </a:p>
@@ -7201,7 +6318,7 @@
 </p:sld>
 </file>
 
-<file path=ppt/slides/slide6.xml><?xml version="1.0" encoding="utf-8"?>
+<file path=ppt/slides/slide5.xml><?xml version="1.0" encoding="utf-8"?>
 <p:sld xmlns:a="http://schemas.openxmlformats.org/drawingml/2006/main" xmlns:r="http://schemas.openxmlformats.org/officeDocument/2006/relationships" xmlns:p="http://schemas.openxmlformats.org/presentationml/2006/main">
   <p:cSld>
     <p:spTree>
@@ -7857,7 +6974,7 @@
           <a:p>
             <a:fld id="{86CB4B4D-7CA3-9044-876B-883B54F8677D}" type="slidenum">
               <a:rPr lang="en-US" altLang="zh-CN" smtClean="0"/>
-              <a:t>6</a:t>
+              <a:t>5</a:t>
             </a:fld>
             <a:endParaRPr lang="zh-CN" altLang="en-US"/>
           </a:p>
@@ -7877,7 +6994,7 @@
 </p:sld>
 </file>
 
-<file path=ppt/slides/slide7.xml><?xml version="1.0" encoding="utf-8"?>
+<file path=ppt/slides/slide6.xml><?xml version="1.0" encoding="utf-8"?>
 <p:sld xmlns:a="http://schemas.openxmlformats.org/drawingml/2006/main" xmlns:r="http://schemas.openxmlformats.org/officeDocument/2006/relationships" xmlns:p="http://schemas.openxmlformats.org/presentationml/2006/main">
   <p:cSld>
     <p:spTree>
@@ -8398,7 +7515,7 @@
           <a:p>
             <a:fld id="{86CB4B4D-7CA3-9044-876B-883B54F8677D}" type="slidenum">
               <a:rPr lang="en-US" altLang="zh-CN" smtClean="0"/>
-              <a:t>7</a:t>
+              <a:t>6</a:t>
             </a:fld>
             <a:endParaRPr lang="zh-CN" altLang="en-US"/>
           </a:p>
@@ -8478,7 +7595,7 @@
 </p:sld>
 </file>
 
-<file path=ppt/slides/slide8.xml><?xml version="1.0" encoding="utf-8"?>
+<file path=ppt/slides/slide7.xml><?xml version="1.0" encoding="utf-8"?>
 <p:sld xmlns:a="http://schemas.openxmlformats.org/drawingml/2006/main" xmlns:r="http://schemas.openxmlformats.org/officeDocument/2006/relationships" xmlns:p="http://schemas.openxmlformats.org/presentationml/2006/main">
   <p:cSld>
     <p:spTree>
@@ -8999,7 +8116,7 @@
           <a:p>
             <a:fld id="{86CB4B4D-7CA3-9044-876B-883B54F8677D}" type="slidenum">
               <a:rPr lang="en-US" altLang="zh-CN" smtClean="0"/>
-              <a:t>8</a:t>
+              <a:t>7</a:t>
             </a:fld>
             <a:endParaRPr lang="zh-CN" altLang="en-US"/>
           </a:p>
@@ -9079,7 +8196,7 @@
 </p:sld>
 </file>
 
-<file path=ppt/slides/slide9.xml><?xml version="1.0" encoding="utf-8"?>
+<file path=ppt/slides/slide8.xml><?xml version="1.0" encoding="utf-8"?>
 <p:sld xmlns:a="http://schemas.openxmlformats.org/drawingml/2006/main" xmlns:r="http://schemas.openxmlformats.org/officeDocument/2006/relationships" xmlns:p="http://schemas.openxmlformats.org/presentationml/2006/main">
   <p:cSld>
     <p:spTree>
@@ -9634,7 +8751,7 @@
           <a:p>
             <a:fld id="{86CB4B4D-7CA3-9044-876B-883B54F8677D}" type="slidenum">
               <a:rPr lang="en-US" altLang="zh-CN" smtClean="0"/>
-              <a:t>9</a:t>
+              <a:t>8</a:t>
             </a:fld>
             <a:endParaRPr lang="zh-CN" altLang="en-US"/>
           </a:p>
@@ -9674,6 +8791,334 @@
     <p:extLst>
       <p:ext uri="{BB962C8B-B14F-4D97-AF65-F5344CB8AC3E}">
         <p14:creationId xmlns:p14="http://schemas.microsoft.com/office/powerpoint/2010/main" val="582121818"/>
+      </p:ext>
+    </p:extLst>
+  </p:cSld>
+  <p:clrMapOvr>
+    <a:masterClrMapping/>
+  </p:clrMapOvr>
+  <p:transition spd="med"/>
+</p:sld>
+</file>
+
+<file path=ppt/slides/slide9.xml><?xml version="1.0" encoding="utf-8"?>
+<p:sld xmlns:a="http://schemas.openxmlformats.org/drawingml/2006/main" xmlns:r="http://schemas.openxmlformats.org/officeDocument/2006/relationships" xmlns:p="http://schemas.openxmlformats.org/presentationml/2006/main">
+  <p:cSld>
+    <p:spTree>
+      <p:nvGrpSpPr>
+        <p:cNvPr id="1" name=""/>
+        <p:cNvGrpSpPr/>
+        <p:nvPr/>
+      </p:nvGrpSpPr>
+      <p:grpSpPr>
+        <a:xfrm>
+          <a:off x="0" y="0"/>
+          <a:ext cx="0" cy="0"/>
+          <a:chOff x="0" y="0"/>
+          <a:chExt cx="0" cy="0"/>
+        </a:xfrm>
+      </p:grpSpPr>
+      <p:sp>
+        <p:nvSpPr>
+          <p:cNvPr id="2" name="标题 1">
+            <a:extLst>
+              <a:ext uri="{FF2B5EF4-FFF2-40B4-BE49-F238E27FC236}">
+                <a16:creationId xmlns:a16="http://schemas.microsoft.com/office/drawing/2014/main" id="{8CB0BEDD-BACE-C402-E5B3-E7DBD84C11B8}"/>
+              </a:ext>
+            </a:extLst>
+          </p:cNvPr>
+          <p:cNvSpPr>
+            <a:spLocks noGrp="1"/>
+          </p:cNvSpPr>
+          <p:nvPr>
+            <p:ph type="title"/>
+          </p:nvPr>
+        </p:nvSpPr>
+        <p:spPr>
+          <a:xfrm>
+            <a:off x="13149" y="723900"/>
+            <a:ext cx="10515600" cy="1325563"/>
+          </a:xfrm>
+        </p:spPr>
+        <p:txBody>
+          <a:bodyPr/>
+          <a:lstStyle/>
+          <a:p>
+            <a:r>
+              <a:rPr lang="en-US" altLang="zh-CN" dirty="0"/>
+              <a:t>Experiments results – ML-1M</a:t>
+            </a:r>
+            <a:endParaRPr lang="zh-CN" altLang="en-US" dirty="0"/>
+          </a:p>
+        </p:txBody>
+      </p:sp>
+      <p:sp>
+        <p:nvSpPr>
+          <p:cNvPr id="9" name="文本占位符 3">
+            <a:extLst>
+              <a:ext uri="{FF2B5EF4-FFF2-40B4-BE49-F238E27FC236}">
+                <a16:creationId xmlns:a16="http://schemas.microsoft.com/office/drawing/2014/main" id="{77618B53-20FA-46A1-85E1-E8ABF98844D0}"/>
+              </a:ext>
+            </a:extLst>
+          </p:cNvPr>
+          <p:cNvSpPr txBox="1">
+            <a:spLocks/>
+          </p:cNvSpPr>
+          <p:nvPr/>
+        </p:nvSpPr>
+        <p:spPr>
+          <a:xfrm>
+            <a:off x="357917" y="1124692"/>
+            <a:ext cx="4913032" cy="5532437"/>
+          </a:xfrm>
+          <a:prstGeom prst="rect">
+            <a:avLst/>
+          </a:prstGeom>
+        </p:spPr>
+        <p:txBody>
+          <a:bodyPr vert="horz" lIns="91440" tIns="45720" rIns="91440" bIns="45720" rtlCol="0">
+            <a:normAutofit/>
+          </a:bodyPr>
+          <a:lstStyle>
+            <a:lvl1pPr marL="228600" indent="-228600" algn="l" defTabSz="914400" rtl="0" eaLnBrk="1" latinLnBrk="0" hangingPunct="1">
+              <a:lnSpc>
+                <a:spcPct val="90000"/>
+              </a:lnSpc>
+              <a:spcBef>
+                <a:spcPts val="1000"/>
+              </a:spcBef>
+              <a:buFont typeface="Arial" panose="020B0604020202020204" pitchFamily="34" charset="0"/>
+              <a:buChar char="•"/>
+              <a:defRPr sz="2800" kern="1200">
+                <a:solidFill>
+                  <a:schemeClr val="tx1"/>
+                </a:solidFill>
+                <a:latin typeface="+mn-lt"/>
+                <a:ea typeface="+mn-ea"/>
+                <a:cs typeface="+mn-cs"/>
+              </a:defRPr>
+            </a:lvl1pPr>
+            <a:lvl2pPr marL="685800" indent="-228600" algn="l" defTabSz="914400" rtl="0" eaLnBrk="1" latinLnBrk="0" hangingPunct="1">
+              <a:lnSpc>
+                <a:spcPct val="90000"/>
+              </a:lnSpc>
+              <a:spcBef>
+                <a:spcPts val="500"/>
+              </a:spcBef>
+              <a:buFont typeface="Arial" panose="020B0604020202020204" pitchFamily="34" charset="0"/>
+              <a:buChar char="•"/>
+              <a:defRPr sz="2400" kern="1200">
+                <a:solidFill>
+                  <a:schemeClr val="tx1"/>
+                </a:solidFill>
+                <a:latin typeface="+mn-lt"/>
+                <a:ea typeface="+mn-ea"/>
+                <a:cs typeface="+mn-cs"/>
+              </a:defRPr>
+            </a:lvl2pPr>
+            <a:lvl3pPr marL="1143000" indent="-228600" algn="l" defTabSz="914400" rtl="0" eaLnBrk="1" latinLnBrk="0" hangingPunct="1">
+              <a:lnSpc>
+                <a:spcPct val="90000"/>
+              </a:lnSpc>
+              <a:spcBef>
+                <a:spcPts val="500"/>
+              </a:spcBef>
+              <a:buFont typeface="Arial" panose="020B0604020202020204" pitchFamily="34" charset="0"/>
+              <a:buChar char="•"/>
+              <a:defRPr sz="2000" kern="1200">
+                <a:solidFill>
+                  <a:schemeClr val="tx1"/>
+                </a:solidFill>
+                <a:latin typeface="+mn-lt"/>
+                <a:ea typeface="+mn-ea"/>
+                <a:cs typeface="+mn-cs"/>
+              </a:defRPr>
+            </a:lvl3pPr>
+            <a:lvl4pPr marL="1600200" indent="-228600" algn="l" defTabSz="914400" rtl="0" eaLnBrk="1" latinLnBrk="0" hangingPunct="1">
+              <a:lnSpc>
+                <a:spcPct val="90000"/>
+              </a:lnSpc>
+              <a:spcBef>
+                <a:spcPts val="500"/>
+              </a:spcBef>
+              <a:buFont typeface="Arial" panose="020B0604020202020204" pitchFamily="34" charset="0"/>
+              <a:buChar char="•"/>
+              <a:defRPr sz="1800" kern="1200">
+                <a:solidFill>
+                  <a:schemeClr val="tx1"/>
+                </a:solidFill>
+                <a:latin typeface="+mn-lt"/>
+                <a:ea typeface="+mn-ea"/>
+                <a:cs typeface="+mn-cs"/>
+              </a:defRPr>
+            </a:lvl4pPr>
+            <a:lvl5pPr marL="2057400" indent="-228600" algn="l" defTabSz="914400" rtl="0" eaLnBrk="1" latinLnBrk="0" hangingPunct="1">
+              <a:lnSpc>
+                <a:spcPct val="90000"/>
+              </a:lnSpc>
+              <a:spcBef>
+                <a:spcPts val="500"/>
+              </a:spcBef>
+              <a:buFont typeface="Arial" panose="020B0604020202020204" pitchFamily="34" charset="0"/>
+              <a:buChar char="•"/>
+              <a:defRPr sz="1800" kern="1200">
+                <a:solidFill>
+                  <a:schemeClr val="tx1"/>
+                </a:solidFill>
+                <a:latin typeface="+mn-lt"/>
+                <a:ea typeface="+mn-ea"/>
+                <a:cs typeface="+mn-cs"/>
+              </a:defRPr>
+            </a:lvl5pPr>
+            <a:lvl6pPr marL="2514600" indent="-228600" algn="l" defTabSz="914400" rtl="0" eaLnBrk="1" latinLnBrk="0" hangingPunct="1">
+              <a:lnSpc>
+                <a:spcPct val="90000"/>
+              </a:lnSpc>
+              <a:spcBef>
+                <a:spcPts val="500"/>
+              </a:spcBef>
+              <a:buFont typeface="Arial" panose="020B0604020202020204" pitchFamily="34" charset="0"/>
+              <a:buChar char="•"/>
+              <a:defRPr sz="1800" kern="1200">
+                <a:solidFill>
+                  <a:schemeClr val="tx1"/>
+                </a:solidFill>
+                <a:latin typeface="+mn-lt"/>
+                <a:ea typeface="+mn-ea"/>
+                <a:cs typeface="+mn-cs"/>
+              </a:defRPr>
+            </a:lvl6pPr>
+            <a:lvl7pPr marL="2971800" indent="-228600" algn="l" defTabSz="914400" rtl="0" eaLnBrk="1" latinLnBrk="0" hangingPunct="1">
+              <a:lnSpc>
+                <a:spcPct val="90000"/>
+              </a:lnSpc>
+              <a:spcBef>
+                <a:spcPts val="500"/>
+              </a:spcBef>
+              <a:buFont typeface="Arial" panose="020B0604020202020204" pitchFamily="34" charset="0"/>
+              <a:buChar char="•"/>
+              <a:defRPr sz="1800" kern="1200">
+                <a:solidFill>
+                  <a:schemeClr val="tx1"/>
+                </a:solidFill>
+                <a:latin typeface="+mn-lt"/>
+                <a:ea typeface="+mn-ea"/>
+                <a:cs typeface="+mn-cs"/>
+              </a:defRPr>
+            </a:lvl7pPr>
+            <a:lvl8pPr marL="3429000" indent="-228600" algn="l" defTabSz="914400" rtl="0" eaLnBrk="1" latinLnBrk="0" hangingPunct="1">
+              <a:lnSpc>
+                <a:spcPct val="90000"/>
+              </a:lnSpc>
+              <a:spcBef>
+                <a:spcPts val="500"/>
+              </a:spcBef>
+              <a:buFont typeface="Arial" panose="020B0604020202020204" pitchFamily="34" charset="0"/>
+              <a:buChar char="•"/>
+              <a:defRPr sz="1800" kern="1200">
+                <a:solidFill>
+                  <a:schemeClr val="tx1"/>
+                </a:solidFill>
+                <a:latin typeface="+mn-lt"/>
+                <a:ea typeface="+mn-ea"/>
+                <a:cs typeface="+mn-cs"/>
+              </a:defRPr>
+            </a:lvl8pPr>
+            <a:lvl9pPr marL="3886200" indent="-228600" algn="l" defTabSz="914400" rtl="0" eaLnBrk="1" latinLnBrk="0" hangingPunct="1">
+              <a:lnSpc>
+                <a:spcPct val="90000"/>
+              </a:lnSpc>
+              <a:spcBef>
+                <a:spcPts val="500"/>
+              </a:spcBef>
+              <a:buFont typeface="Arial" panose="020B0604020202020204" pitchFamily="34" charset="0"/>
+              <a:buChar char="•"/>
+              <a:defRPr sz="1800" kern="1200">
+                <a:solidFill>
+                  <a:schemeClr val="tx1"/>
+                </a:solidFill>
+                <a:latin typeface="+mn-lt"/>
+                <a:ea typeface="+mn-ea"/>
+                <a:cs typeface="+mn-cs"/>
+              </a:defRPr>
+            </a:lvl9pPr>
+          </a:lstStyle>
+          <a:p>
+            <a:pPr marL="0" indent="0">
+              <a:buNone/>
+            </a:pPr>
+            <a:endParaRPr lang="en-US" altLang="zh-CN" dirty="0">
+              <a:solidFill>
+                <a:schemeClr val="accent1"/>
+              </a:solidFill>
+              <a:latin typeface="-apple-system"/>
+            </a:endParaRPr>
+          </a:p>
+        </p:txBody>
+      </p:sp>
+      <p:pic>
+        <p:nvPicPr>
+          <p:cNvPr id="4" name="图片 3">
+            <a:extLst>
+              <a:ext uri="{FF2B5EF4-FFF2-40B4-BE49-F238E27FC236}">
+                <a16:creationId xmlns:a16="http://schemas.microsoft.com/office/drawing/2014/main" id="{19397403-96FC-799D-8A16-710A31B94C3B}"/>
+              </a:ext>
+            </a:extLst>
+          </p:cNvPr>
+          <p:cNvPicPr>
+            <a:picLocks noChangeAspect="1"/>
+          </p:cNvPicPr>
+          <p:nvPr/>
+        </p:nvPicPr>
+        <p:blipFill>
+          <a:blip r:embed="rId2"/>
+          <a:stretch>
+            <a:fillRect/>
+          </a:stretch>
+        </p:blipFill>
+        <p:spPr>
+          <a:xfrm>
+            <a:off x="1325490" y="2235883"/>
+            <a:ext cx="9004763" cy="3695890"/>
+          </a:xfrm>
+          <a:prstGeom prst="rect">
+            <a:avLst/>
+          </a:prstGeom>
+        </p:spPr>
+      </p:pic>
+      <p:sp>
+        <p:nvSpPr>
+          <p:cNvPr id="7" name="灯片编号占位符 6">
+            <a:extLst>
+              <a:ext uri="{FF2B5EF4-FFF2-40B4-BE49-F238E27FC236}">
+                <a16:creationId xmlns:a16="http://schemas.microsoft.com/office/drawing/2014/main" id="{350CCB26-346C-0112-23D5-E83AC3F78A8B}"/>
+              </a:ext>
+            </a:extLst>
+          </p:cNvPr>
+          <p:cNvSpPr>
+            <a:spLocks noGrp="1"/>
+          </p:cNvSpPr>
+          <p:nvPr>
+            <p:ph type="sldNum" sz="quarter" idx="2"/>
+          </p:nvPr>
+        </p:nvSpPr>
+        <p:spPr/>
+        <p:txBody>
+          <a:bodyPr/>
+          <a:lstStyle/>
+          <a:p>
+            <a:fld id="{86CB4B4D-7CA3-9044-876B-883B54F8677D}" type="slidenum">
+              <a:rPr lang="en-US" altLang="zh-CN" smtClean="0"/>
+              <a:t>9</a:t>
+            </a:fld>
+            <a:endParaRPr lang="zh-CN" altLang="en-US"/>
+          </a:p>
+        </p:txBody>
+      </p:sp>
+    </p:spTree>
+    <p:extLst>
+      <p:ext uri="{BB962C8B-B14F-4D97-AF65-F5344CB8AC3E}">
+        <p14:creationId xmlns:p14="http://schemas.microsoft.com/office/powerpoint/2010/main" val="4212224579"/>
       </p:ext>
     </p:extLst>
   </p:cSld>
